--- a/Whiteboard design session/media/solution-topology.pptx
+++ b/Whiteboard design session/media/solution-topology.pptx
@@ -107,6 +107,11 @@
       </a:defRPr>
     </a:lvl9pPr>
   </p:defaultTextStyle>
+  <p:extLst>
+    <p:ext uri="{EFAFB233-063F-42B5-8137-9DF3F51BA10A}">
+      <p15:sldGuideLst xmlns:p15="http://schemas.microsoft.com/office/powerpoint/2012/main"/>
+    </p:ext>
+  </p:extLst>
 </p:presentation>
 </file>
 
@@ -192,7 +197,7 @@
           <a:p>
             <a:fld id="{9FAE9C77-A996-C84E-9D36-3D6272241604}" type="datetimeFigureOut">
               <a:rPr lang="en-US" smtClean="0"/>
-              <a:t>6/30/20</a:t>
+              <a:t>8/23/20</a:t>
             </a:fld>
             <a:endParaRPr lang="en-US"/>
           </a:p>
@@ -705,7 +710,7 @@
           <a:p>
             <a:fld id="{1D36DCE9-2688-1142-A9FE-378B36DFC2B8}" type="datetimeFigureOut">
               <a:rPr lang="en-US" smtClean="0"/>
-              <a:t>6/30/20</a:t>
+              <a:t>8/23/20</a:t>
             </a:fld>
             <a:endParaRPr lang="en-US"/>
           </a:p>
@@ -903,7 +908,7 @@
           <a:p>
             <a:fld id="{1D36DCE9-2688-1142-A9FE-378B36DFC2B8}" type="datetimeFigureOut">
               <a:rPr lang="en-US" smtClean="0"/>
-              <a:t>6/30/20</a:t>
+              <a:t>8/23/20</a:t>
             </a:fld>
             <a:endParaRPr lang="en-US"/>
           </a:p>
@@ -1111,7 +1116,7 @@
           <a:p>
             <a:fld id="{1D36DCE9-2688-1142-A9FE-378B36DFC2B8}" type="datetimeFigureOut">
               <a:rPr lang="en-US" smtClean="0"/>
-              <a:t>6/30/20</a:t>
+              <a:t>8/23/20</a:t>
             </a:fld>
             <a:endParaRPr lang="en-US"/>
           </a:p>
@@ -1309,7 +1314,7 @@
           <a:p>
             <a:fld id="{1D36DCE9-2688-1142-A9FE-378B36DFC2B8}" type="datetimeFigureOut">
               <a:rPr lang="en-US" smtClean="0"/>
-              <a:t>6/30/20</a:t>
+              <a:t>8/23/20</a:t>
             </a:fld>
             <a:endParaRPr lang="en-US"/>
           </a:p>
@@ -1584,7 +1589,7 @@
           <a:p>
             <a:fld id="{1D36DCE9-2688-1142-A9FE-378B36DFC2B8}" type="datetimeFigureOut">
               <a:rPr lang="en-US" smtClean="0"/>
-              <a:t>6/30/20</a:t>
+              <a:t>8/23/20</a:t>
             </a:fld>
             <a:endParaRPr lang="en-US"/>
           </a:p>
@@ -1849,7 +1854,7 @@
           <a:p>
             <a:fld id="{1D36DCE9-2688-1142-A9FE-378B36DFC2B8}" type="datetimeFigureOut">
               <a:rPr lang="en-US" smtClean="0"/>
-              <a:t>6/30/20</a:t>
+              <a:t>8/23/20</a:t>
             </a:fld>
             <a:endParaRPr lang="en-US"/>
           </a:p>
@@ -2261,7 +2266,7 @@
           <a:p>
             <a:fld id="{1D36DCE9-2688-1142-A9FE-378B36DFC2B8}" type="datetimeFigureOut">
               <a:rPr lang="en-US" smtClean="0"/>
-              <a:t>6/30/20</a:t>
+              <a:t>8/23/20</a:t>
             </a:fld>
             <a:endParaRPr lang="en-US"/>
           </a:p>
@@ -2402,7 +2407,7 @@
           <a:p>
             <a:fld id="{1D36DCE9-2688-1142-A9FE-378B36DFC2B8}" type="datetimeFigureOut">
               <a:rPr lang="en-US" smtClean="0"/>
-              <a:t>6/30/20</a:t>
+              <a:t>8/23/20</a:t>
             </a:fld>
             <a:endParaRPr lang="en-US"/>
           </a:p>
@@ -2515,7 +2520,7 @@
           <a:p>
             <a:fld id="{1D36DCE9-2688-1142-A9FE-378B36DFC2B8}" type="datetimeFigureOut">
               <a:rPr lang="en-US" smtClean="0"/>
-              <a:t>6/30/20</a:t>
+              <a:t>8/23/20</a:t>
             </a:fld>
             <a:endParaRPr lang="en-US"/>
           </a:p>
@@ -2826,7 +2831,7 @@
           <a:p>
             <a:fld id="{1D36DCE9-2688-1142-A9FE-378B36DFC2B8}" type="datetimeFigureOut">
               <a:rPr lang="en-US" smtClean="0"/>
-              <a:t>6/30/20</a:t>
+              <a:t>8/23/20</a:t>
             </a:fld>
             <a:endParaRPr lang="en-US"/>
           </a:p>
@@ -3114,7 +3119,7 @@
           <a:p>
             <a:fld id="{1D36DCE9-2688-1142-A9FE-378B36DFC2B8}" type="datetimeFigureOut">
               <a:rPr lang="en-US" smtClean="0"/>
-              <a:t>6/30/20</a:t>
+              <a:t>8/23/20</a:t>
             </a:fld>
             <a:endParaRPr lang="en-US"/>
           </a:p>
@@ -3355,7 +3360,7 @@
           <a:p>
             <a:fld id="{1D36DCE9-2688-1142-A9FE-378B36DFC2B8}" type="datetimeFigureOut">
               <a:rPr lang="en-US" smtClean="0"/>
-              <a:t>6/30/20</a:t>
+              <a:t>8/23/20</a:t>
             </a:fld>
             <a:endParaRPr lang="en-US"/>
           </a:p>
@@ -4261,10 +4266,10 @@
       </p:pic>
       <p:pic>
         <p:nvPicPr>
-          <p:cNvPr id="11" name="Graphic 10">
-            <a:extLst>
-              <a:ext uri="{FF2B5EF4-FFF2-40B4-BE49-F238E27FC236}">
-                <a16:creationId xmlns:a16="http://schemas.microsoft.com/office/drawing/2014/main" id="{029CBAAF-28C0-874E-A157-B0175465CD46}"/>
+          <p:cNvPr id="15" name="Graphic 14">
+            <a:extLst>
+              <a:ext uri="{FF2B5EF4-FFF2-40B4-BE49-F238E27FC236}">
+                <a16:creationId xmlns:a16="http://schemas.microsoft.com/office/drawing/2014/main" id="{7C084A7A-1E13-7F48-AE65-60287D7F039D}"/>
               </a:ext>
             </a:extLst>
           </p:cNvPr>
@@ -4287,20 +4292,178 @@
         </p:blipFill>
         <p:spPr>
           <a:xfrm>
-            <a:off x="551914" y="3065102"/>
-            <a:ext cx="390547" cy="390547"/>
+            <a:off x="1409114" y="4545803"/>
+            <a:ext cx="603294" cy="603294"/>
           </a:xfrm>
           <a:prstGeom prst="rect">
             <a:avLst/>
           </a:prstGeom>
         </p:spPr>
       </p:pic>
+      <p:sp>
+        <p:nvSpPr>
+          <p:cNvPr id="16" name="TextBox 15">
+            <a:extLst>
+              <a:ext uri="{FF2B5EF4-FFF2-40B4-BE49-F238E27FC236}">
+                <a16:creationId xmlns:a16="http://schemas.microsoft.com/office/drawing/2014/main" id="{DF20CCF4-51EA-8C4A-89E3-9FB63F7D871E}"/>
+              </a:ext>
+            </a:extLst>
+          </p:cNvPr>
+          <p:cNvSpPr txBox="1"/>
+          <p:nvPr/>
+        </p:nvSpPr>
+        <p:spPr>
+          <a:xfrm>
+            <a:off x="1145816" y="5053156"/>
+            <a:ext cx="1119665" cy="646331"/>
+          </a:xfrm>
+          <a:prstGeom prst="rect">
+            <a:avLst/>
+          </a:prstGeom>
+          <a:noFill/>
+        </p:spPr>
+        <p:txBody>
+          <a:bodyPr wrap="none" rtlCol="0">
+            <a:spAutoFit/>
+          </a:bodyPr>
+          <a:lstStyle/>
+          <a:p>
+            <a:r>
+              <a:rPr lang="en-US" dirty="0"/>
+              <a:t>Container</a:t>
+            </a:r>
+          </a:p>
+          <a:p>
+            <a:r>
+              <a:rPr lang="en-US" dirty="0"/>
+              <a:t>Registry</a:t>
+            </a:r>
+          </a:p>
+        </p:txBody>
+      </p:sp>
+      <p:sp>
+        <p:nvSpPr>
+          <p:cNvPr id="18" name="TextBox 17">
+            <a:extLst>
+              <a:ext uri="{FF2B5EF4-FFF2-40B4-BE49-F238E27FC236}">
+                <a16:creationId xmlns:a16="http://schemas.microsoft.com/office/drawing/2014/main" id="{BEDCC217-56D1-754F-BA31-9A4F555829AF}"/>
+              </a:ext>
+            </a:extLst>
+          </p:cNvPr>
+          <p:cNvSpPr txBox="1"/>
+          <p:nvPr/>
+        </p:nvSpPr>
+        <p:spPr>
+          <a:xfrm>
+            <a:off x="379184" y="3450813"/>
+            <a:ext cx="878767" cy="646331"/>
+          </a:xfrm>
+          <a:prstGeom prst="rect">
+            <a:avLst/>
+          </a:prstGeom>
+          <a:noFill/>
+        </p:spPr>
+        <p:txBody>
+          <a:bodyPr wrap="none" rtlCol="0">
+            <a:spAutoFit/>
+          </a:bodyPr>
+          <a:lstStyle/>
+          <a:p>
+            <a:r>
+              <a:rPr lang="en-US" dirty="0"/>
+              <a:t>GitHub</a:t>
+            </a:r>
+          </a:p>
+          <a:p>
+            <a:r>
+              <a:rPr lang="en-US" dirty="0"/>
+              <a:t>Actions</a:t>
+            </a:r>
+          </a:p>
+        </p:txBody>
+      </p:sp>
+      <p:sp>
+        <p:nvSpPr>
+          <p:cNvPr id="19" name="TextBox 18">
+            <a:extLst>
+              <a:ext uri="{FF2B5EF4-FFF2-40B4-BE49-F238E27FC236}">
+                <a16:creationId xmlns:a16="http://schemas.microsoft.com/office/drawing/2014/main" id="{391C181F-A1F5-6641-8393-5231305E14C6}"/>
+              </a:ext>
+            </a:extLst>
+          </p:cNvPr>
+          <p:cNvSpPr txBox="1"/>
+          <p:nvPr/>
+        </p:nvSpPr>
+        <p:spPr>
+          <a:xfrm>
+            <a:off x="4091588" y="2021760"/>
+            <a:ext cx="3533147" cy="400110"/>
+          </a:xfrm>
+          <a:prstGeom prst="rect">
+            <a:avLst/>
+          </a:prstGeom>
+          <a:noFill/>
+        </p:spPr>
+        <p:txBody>
+          <a:bodyPr wrap="none" rtlCol="0">
+            <a:spAutoFit/>
+          </a:bodyPr>
+          <a:lstStyle/>
+          <a:p>
+            <a:r>
+              <a:rPr lang="en-US" sz="2000" b="1" dirty="0"/>
+              <a:t>Azure Kubernetes Service (AKS)</a:t>
+            </a:r>
+          </a:p>
+        </p:txBody>
+      </p:sp>
+      <p:sp>
+        <p:nvSpPr>
+          <p:cNvPr id="20" name="TextBox 19">
+            <a:extLst>
+              <a:ext uri="{FF2B5EF4-FFF2-40B4-BE49-F238E27FC236}">
+                <a16:creationId xmlns:a16="http://schemas.microsoft.com/office/drawing/2014/main" id="{0E1B2EF5-8E3E-2847-942E-BC38D6170212}"/>
+              </a:ext>
+            </a:extLst>
+          </p:cNvPr>
+          <p:cNvSpPr txBox="1"/>
+          <p:nvPr/>
+        </p:nvSpPr>
+        <p:spPr>
+          <a:xfrm>
+            <a:off x="10867254" y="4031274"/>
+            <a:ext cx="1252266" cy="646331"/>
+          </a:xfrm>
+          <a:prstGeom prst="rect">
+            <a:avLst/>
+          </a:prstGeom>
+          <a:noFill/>
+        </p:spPr>
+        <p:txBody>
+          <a:bodyPr wrap="none" rtlCol="0">
+            <a:spAutoFit/>
+          </a:bodyPr>
+          <a:lstStyle/>
+          <a:p>
+            <a:r>
+              <a:rPr lang="en-US" dirty="0"/>
+              <a:t>Azure</a:t>
+            </a:r>
+          </a:p>
+          <a:p>
+            <a:r>
+              <a:rPr lang="en-US" dirty="0"/>
+              <a:t>Cosmos DB</a:t>
+            </a:r>
+          </a:p>
+        </p:txBody>
+      </p:sp>
       <p:pic>
         <p:nvPicPr>
-          <p:cNvPr id="15" name="Graphic 14">
-            <a:extLst>
-              <a:ext uri="{FF2B5EF4-FFF2-40B4-BE49-F238E27FC236}">
-                <a16:creationId xmlns:a16="http://schemas.microsoft.com/office/drawing/2014/main" id="{7C084A7A-1E13-7F48-AE65-60287D7F039D}"/>
+          <p:cNvPr id="24" name="Graphic 23">
+            <a:extLst>
+              <a:ext uri="{FF2B5EF4-FFF2-40B4-BE49-F238E27FC236}">
+                <a16:creationId xmlns:a16="http://schemas.microsoft.com/office/drawing/2014/main" id="{224D1E6B-EAFE-C842-99FE-FF4ADB926757}"/>
               </a:ext>
             </a:extLst>
           </p:cNvPr>
@@ -4314,201 +4477,6 @@
             <a:extLst>
               <a:ext uri="{96DAC541-7B7A-43D3-8B79-37D633B846F1}">
                 <asvg:svgBlip xmlns:asvg="http://schemas.microsoft.com/office/drawing/2016/SVG/main" r:embed="rId10"/>
-              </a:ext>
-            </a:extLst>
-          </a:blip>
-          <a:stretch>
-            <a:fillRect/>
-          </a:stretch>
-        </p:blipFill>
-        <p:spPr>
-          <a:xfrm>
-            <a:off x="1409114" y="4545803"/>
-            <a:ext cx="603294" cy="603294"/>
-          </a:xfrm>
-          <a:prstGeom prst="rect">
-            <a:avLst/>
-          </a:prstGeom>
-        </p:spPr>
-      </p:pic>
-      <p:sp>
-        <p:nvSpPr>
-          <p:cNvPr id="16" name="TextBox 15">
-            <a:extLst>
-              <a:ext uri="{FF2B5EF4-FFF2-40B4-BE49-F238E27FC236}">
-                <a16:creationId xmlns:a16="http://schemas.microsoft.com/office/drawing/2014/main" id="{DF20CCF4-51EA-8C4A-89E3-9FB63F7D871E}"/>
-              </a:ext>
-            </a:extLst>
-          </p:cNvPr>
-          <p:cNvSpPr txBox="1"/>
-          <p:nvPr/>
-        </p:nvSpPr>
-        <p:spPr>
-          <a:xfrm>
-            <a:off x="1145816" y="5053156"/>
-            <a:ext cx="1119665" cy="646331"/>
-          </a:xfrm>
-          <a:prstGeom prst="rect">
-            <a:avLst/>
-          </a:prstGeom>
-          <a:noFill/>
-        </p:spPr>
-        <p:txBody>
-          <a:bodyPr wrap="none" rtlCol="0">
-            <a:spAutoFit/>
-          </a:bodyPr>
-          <a:lstStyle/>
-          <a:p>
-            <a:r>
-              <a:rPr lang="en-US" dirty="0"/>
-              <a:t>Container</a:t>
-            </a:r>
-          </a:p>
-          <a:p>
-            <a:r>
-              <a:rPr lang="en-US" dirty="0"/>
-              <a:t>Registry</a:t>
-            </a:r>
-          </a:p>
-        </p:txBody>
-      </p:sp>
-      <p:sp>
-        <p:nvSpPr>
-          <p:cNvPr id="18" name="TextBox 17">
-            <a:extLst>
-              <a:ext uri="{FF2B5EF4-FFF2-40B4-BE49-F238E27FC236}">
-                <a16:creationId xmlns:a16="http://schemas.microsoft.com/office/drawing/2014/main" id="{BEDCC217-56D1-754F-BA31-9A4F555829AF}"/>
-              </a:ext>
-            </a:extLst>
-          </p:cNvPr>
-          <p:cNvSpPr txBox="1"/>
-          <p:nvPr/>
-        </p:nvSpPr>
-        <p:spPr>
-          <a:xfrm>
-            <a:off x="282730" y="3434435"/>
-            <a:ext cx="1045479" cy="646331"/>
-          </a:xfrm>
-          <a:prstGeom prst="rect">
-            <a:avLst/>
-          </a:prstGeom>
-          <a:noFill/>
-        </p:spPr>
-        <p:txBody>
-          <a:bodyPr wrap="none" rtlCol="0">
-            <a:spAutoFit/>
-          </a:bodyPr>
-          <a:lstStyle/>
-          <a:p>
-            <a:r>
-              <a:rPr lang="en-US" dirty="0"/>
-              <a:t>Azure</a:t>
-            </a:r>
-            <a:br>
-              <a:rPr lang="en-US" dirty="0"/>
-            </a:br>
-            <a:r>
-              <a:rPr lang="en-US" dirty="0"/>
-              <a:t>Pipelines</a:t>
-            </a:r>
-          </a:p>
-        </p:txBody>
-      </p:sp>
-      <p:sp>
-        <p:nvSpPr>
-          <p:cNvPr id="19" name="TextBox 18">
-            <a:extLst>
-              <a:ext uri="{FF2B5EF4-FFF2-40B4-BE49-F238E27FC236}">
-                <a16:creationId xmlns:a16="http://schemas.microsoft.com/office/drawing/2014/main" id="{391C181F-A1F5-6641-8393-5231305E14C6}"/>
-              </a:ext>
-            </a:extLst>
-          </p:cNvPr>
-          <p:cNvSpPr txBox="1"/>
-          <p:nvPr/>
-        </p:nvSpPr>
-        <p:spPr>
-          <a:xfrm>
-            <a:off x="4091588" y="2021760"/>
-            <a:ext cx="3533147" cy="400110"/>
-          </a:xfrm>
-          <a:prstGeom prst="rect">
-            <a:avLst/>
-          </a:prstGeom>
-          <a:noFill/>
-        </p:spPr>
-        <p:txBody>
-          <a:bodyPr wrap="none" rtlCol="0">
-            <a:spAutoFit/>
-          </a:bodyPr>
-          <a:lstStyle/>
-          <a:p>
-            <a:r>
-              <a:rPr lang="en-US" sz="2000" b="1" dirty="0"/>
-              <a:t>Azure Kubernetes Service (AKS)</a:t>
-            </a:r>
-          </a:p>
-        </p:txBody>
-      </p:sp>
-      <p:sp>
-        <p:nvSpPr>
-          <p:cNvPr id="20" name="TextBox 19">
-            <a:extLst>
-              <a:ext uri="{FF2B5EF4-FFF2-40B4-BE49-F238E27FC236}">
-                <a16:creationId xmlns:a16="http://schemas.microsoft.com/office/drawing/2014/main" id="{0E1B2EF5-8E3E-2847-942E-BC38D6170212}"/>
-              </a:ext>
-            </a:extLst>
-          </p:cNvPr>
-          <p:cNvSpPr txBox="1"/>
-          <p:nvPr/>
-        </p:nvSpPr>
-        <p:spPr>
-          <a:xfrm>
-            <a:off x="10867254" y="4031274"/>
-            <a:ext cx="1252266" cy="646331"/>
-          </a:xfrm>
-          <a:prstGeom prst="rect">
-            <a:avLst/>
-          </a:prstGeom>
-          <a:noFill/>
-        </p:spPr>
-        <p:txBody>
-          <a:bodyPr wrap="none" rtlCol="0">
-            <a:spAutoFit/>
-          </a:bodyPr>
-          <a:lstStyle/>
-          <a:p>
-            <a:r>
-              <a:rPr lang="en-US" dirty="0"/>
-              <a:t>Azure</a:t>
-            </a:r>
-          </a:p>
-          <a:p>
-            <a:r>
-              <a:rPr lang="en-US" dirty="0"/>
-              <a:t>Cosmos DB</a:t>
-            </a:r>
-          </a:p>
-        </p:txBody>
-      </p:sp>
-      <p:pic>
-        <p:nvPicPr>
-          <p:cNvPr id="24" name="Graphic 23">
-            <a:extLst>
-              <a:ext uri="{FF2B5EF4-FFF2-40B4-BE49-F238E27FC236}">
-                <a16:creationId xmlns:a16="http://schemas.microsoft.com/office/drawing/2014/main" id="{224D1E6B-EAFE-C842-99FE-FF4ADB926757}"/>
-              </a:ext>
-            </a:extLst>
-          </p:cNvPr>
-          <p:cNvPicPr>
-            <a:picLocks noChangeAspect="1"/>
-          </p:cNvPicPr>
-          <p:nvPr/>
-        </p:nvPicPr>
-        <p:blipFill>
-          <a:blip r:embed="rId11">
-            <a:extLst>
-              <a:ext uri="{96DAC541-7B7A-43D3-8B79-37D633B846F1}">
-                <asvg:svgBlip xmlns:asvg="http://schemas.microsoft.com/office/drawing/2016/SVG/main" r:embed="rId12"/>
               </a:ext>
             </a:extLst>
           </a:blip>
@@ -5791,10 +5759,10 @@
             <p:nvPr/>
           </p:nvPicPr>
           <p:blipFill>
-            <a:blip r:embed="rId13">
+            <a:blip r:embed="rId11">
               <a:extLst>
                 <a:ext uri="{96DAC541-7B7A-43D3-8B79-37D633B846F1}">
-                  <asvg:svgBlip xmlns:asvg="http://schemas.microsoft.com/office/drawing/2016/SVG/main" r:embed="rId14"/>
+                  <asvg:svgBlip xmlns:asvg="http://schemas.microsoft.com/office/drawing/2016/SVG/main" r:embed="rId12"/>
                 </a:ext>
               </a:extLst>
             </a:blip>
@@ -5827,10 +5795,10 @@
             <p:nvPr/>
           </p:nvPicPr>
           <p:blipFill>
-            <a:blip r:embed="rId13">
+            <a:blip r:embed="rId11">
               <a:extLst>
                 <a:ext uri="{96DAC541-7B7A-43D3-8B79-37D633B846F1}">
-                  <asvg:svgBlip xmlns:asvg="http://schemas.microsoft.com/office/drawing/2016/SVG/main" r:embed="rId14"/>
+                  <asvg:svgBlip xmlns:asvg="http://schemas.microsoft.com/office/drawing/2016/SVG/main" r:embed="rId12"/>
                 </a:ext>
               </a:extLst>
             </a:blip>
@@ -5863,10 +5831,10 @@
             <p:nvPr/>
           </p:nvPicPr>
           <p:blipFill>
-            <a:blip r:embed="rId13">
+            <a:blip r:embed="rId11">
               <a:extLst>
                 <a:ext uri="{96DAC541-7B7A-43D3-8B79-37D633B846F1}">
-                  <asvg:svgBlip xmlns:asvg="http://schemas.microsoft.com/office/drawing/2016/SVG/main" r:embed="rId14"/>
+                  <asvg:svgBlip xmlns:asvg="http://schemas.microsoft.com/office/drawing/2016/SVG/main" r:embed="rId12"/>
                 </a:ext>
               </a:extLst>
             </a:blip>
@@ -6135,7 +6103,7 @@
           <p:nvPr/>
         </p:nvPicPr>
         <p:blipFill>
-          <a:blip r:embed="rId15"/>
+          <a:blip r:embed="rId13"/>
           <a:stretch>
             <a:fillRect/>
           </a:stretch>
@@ -6156,6 +6124,77 @@
             <a:extLst>
               <a:ext uri="{FF2B5EF4-FFF2-40B4-BE49-F238E27FC236}">
                 <a16:creationId xmlns:a16="http://schemas.microsoft.com/office/drawing/2014/main" id="{3D112668-A5FA-7A44-8892-1A0170B0FD33}"/>
+              </a:ext>
+            </a:extLst>
+          </p:cNvPr>
+          <p:cNvPicPr>
+            <a:picLocks noChangeAspect="1"/>
+          </p:cNvPicPr>
+          <p:nvPr/>
+        </p:nvPicPr>
+        <p:blipFill>
+          <a:blip r:embed="rId14">
+            <a:extLst>
+              <a:ext uri="{96DAC541-7B7A-43D3-8B79-37D633B846F1}">
+                <asvg:svgBlip xmlns:asvg="http://schemas.microsoft.com/office/drawing/2016/SVG/main" r:embed="rId15"/>
+              </a:ext>
+            </a:extLst>
+          </a:blip>
+          <a:stretch>
+            <a:fillRect/>
+          </a:stretch>
+        </p:blipFill>
+        <p:spPr>
+          <a:xfrm>
+            <a:off x="454008" y="5907559"/>
+            <a:ext cx="469900" cy="469900"/>
+          </a:xfrm>
+          <a:prstGeom prst="rect">
+            <a:avLst/>
+          </a:prstGeom>
+        </p:spPr>
+      </p:pic>
+      <p:sp>
+        <p:nvSpPr>
+          <p:cNvPr id="14" name="TextBox 13">
+            <a:extLst>
+              <a:ext uri="{FF2B5EF4-FFF2-40B4-BE49-F238E27FC236}">
+                <a16:creationId xmlns:a16="http://schemas.microsoft.com/office/drawing/2014/main" id="{013F5E10-B013-4240-A644-81A5BC121A15}"/>
+              </a:ext>
+            </a:extLst>
+          </p:cNvPr>
+          <p:cNvSpPr txBox="1"/>
+          <p:nvPr/>
+        </p:nvSpPr>
+        <p:spPr>
+          <a:xfrm>
+            <a:off x="225450" y="6377459"/>
+            <a:ext cx="908518" cy="369332"/>
+          </a:xfrm>
+          <a:prstGeom prst="rect">
+            <a:avLst/>
+          </a:prstGeom>
+          <a:noFill/>
+        </p:spPr>
+        <p:txBody>
+          <a:bodyPr wrap="none" rtlCol="0">
+            <a:spAutoFit/>
+          </a:bodyPr>
+          <a:lstStyle/>
+          <a:p>
+            <a:r>
+              <a:rPr lang="en-US" dirty="0"/>
+              <a:t>DevOps</a:t>
+            </a:r>
+          </a:p>
+        </p:txBody>
+      </p:sp>
+      <p:pic>
+        <p:nvPicPr>
+          <p:cNvPr id="23" name="Graphic 22">
+            <a:extLst>
+              <a:ext uri="{FF2B5EF4-FFF2-40B4-BE49-F238E27FC236}">
+                <a16:creationId xmlns:a16="http://schemas.microsoft.com/office/drawing/2014/main" id="{4B5199CC-59B2-D844-BC79-5B68C8B9D6FC}"/>
               </a:ext>
             </a:extLst>
           </p:cNvPr>
@@ -6169,77 +6208,6 @@
             <a:extLst>
               <a:ext uri="{96DAC541-7B7A-43D3-8B79-37D633B846F1}">
                 <asvg:svgBlip xmlns:asvg="http://schemas.microsoft.com/office/drawing/2016/SVG/main" r:embed="rId17"/>
-              </a:ext>
-            </a:extLst>
-          </a:blip>
-          <a:stretch>
-            <a:fillRect/>
-          </a:stretch>
-        </p:blipFill>
-        <p:spPr>
-          <a:xfrm>
-            <a:off x="454008" y="5907559"/>
-            <a:ext cx="469900" cy="469900"/>
-          </a:xfrm>
-          <a:prstGeom prst="rect">
-            <a:avLst/>
-          </a:prstGeom>
-        </p:spPr>
-      </p:pic>
-      <p:sp>
-        <p:nvSpPr>
-          <p:cNvPr id="14" name="TextBox 13">
-            <a:extLst>
-              <a:ext uri="{FF2B5EF4-FFF2-40B4-BE49-F238E27FC236}">
-                <a16:creationId xmlns:a16="http://schemas.microsoft.com/office/drawing/2014/main" id="{013F5E10-B013-4240-A644-81A5BC121A15}"/>
-              </a:ext>
-            </a:extLst>
-          </p:cNvPr>
-          <p:cNvSpPr txBox="1"/>
-          <p:nvPr/>
-        </p:nvSpPr>
-        <p:spPr>
-          <a:xfrm>
-            <a:off x="225450" y="6377459"/>
-            <a:ext cx="908518" cy="369332"/>
-          </a:xfrm>
-          <a:prstGeom prst="rect">
-            <a:avLst/>
-          </a:prstGeom>
-          <a:noFill/>
-        </p:spPr>
-        <p:txBody>
-          <a:bodyPr wrap="none" rtlCol="0">
-            <a:spAutoFit/>
-          </a:bodyPr>
-          <a:lstStyle/>
-          <a:p>
-            <a:r>
-              <a:rPr lang="en-US" dirty="0"/>
-              <a:t>DevOps</a:t>
-            </a:r>
-          </a:p>
-        </p:txBody>
-      </p:sp>
-      <p:pic>
-        <p:nvPicPr>
-          <p:cNvPr id="23" name="Graphic 22">
-            <a:extLst>
-              <a:ext uri="{FF2B5EF4-FFF2-40B4-BE49-F238E27FC236}">
-                <a16:creationId xmlns:a16="http://schemas.microsoft.com/office/drawing/2014/main" id="{4B5199CC-59B2-D844-BC79-5B68C8B9D6FC}"/>
-              </a:ext>
-            </a:extLst>
-          </p:cNvPr>
-          <p:cNvPicPr>
-            <a:picLocks noChangeAspect="1"/>
-          </p:cNvPicPr>
-          <p:nvPr/>
-        </p:nvPicPr>
-        <p:blipFill>
-          <a:blip r:embed="rId18">
-            <a:extLst>
-              <a:ext uri="{96DAC541-7B7A-43D3-8B79-37D633B846F1}">
-                <asvg:svgBlip xmlns:asvg="http://schemas.microsoft.com/office/drawing/2016/SVG/main" r:embed="rId19"/>
               </a:ext>
             </a:extLst>
           </a:blip>
@@ -6447,10 +6415,10 @@
           <p:nvPr/>
         </p:nvPicPr>
         <p:blipFill>
-          <a:blip r:embed="rId20">
+          <a:blip r:embed="rId18">
             <a:extLst>
               <a:ext uri="{96DAC541-7B7A-43D3-8B79-37D633B846F1}">
-                <asvg:svgBlip xmlns:asvg="http://schemas.microsoft.com/office/drawing/2016/SVG/main" r:embed="rId21"/>
+                <asvg:svgBlip xmlns:asvg="http://schemas.microsoft.com/office/drawing/2016/SVG/main" r:embed="rId19"/>
               </a:ext>
             </a:extLst>
           </a:blip>
@@ -6518,10 +6486,10 @@
           <p:nvPr/>
         </p:nvPicPr>
         <p:blipFill>
-          <a:blip r:embed="rId22">
+          <a:blip r:embed="rId20">
             <a:extLst>
               <a:ext uri="{96DAC541-7B7A-43D3-8B79-37D633B846F1}">
-                <asvg:svgBlip xmlns:asvg="http://schemas.microsoft.com/office/drawing/2016/SVG/main" r:embed="rId23"/>
+                <asvg:svgBlip xmlns:asvg="http://schemas.microsoft.com/office/drawing/2016/SVG/main" r:embed="rId21"/>
               </a:ext>
             </a:extLst>
           </a:blip>
@@ -6629,6 +6597,36 @@
           </a:fontRef>
         </p:style>
       </p:cxnSp>
+      <p:pic>
+        <p:nvPicPr>
+          <p:cNvPr id="3" name="Picture 2" descr="A picture containing cat&#10;&#10;Description automatically generated">
+            <a:extLst>
+              <a:ext uri="{FF2B5EF4-FFF2-40B4-BE49-F238E27FC236}">
+                <a16:creationId xmlns:a16="http://schemas.microsoft.com/office/drawing/2014/main" id="{C626580B-783E-5847-80EF-D88C9D80D102}"/>
+              </a:ext>
+            </a:extLst>
+          </p:cNvPr>
+          <p:cNvPicPr>
+            <a:picLocks noChangeAspect="1"/>
+          </p:cNvPicPr>
+          <p:nvPr/>
+        </p:nvPicPr>
+        <p:blipFill>
+          <a:blip r:embed="rId22"/>
+          <a:stretch>
+            <a:fillRect/>
+          </a:stretch>
+        </p:blipFill>
+        <p:spPr>
+          <a:xfrm>
+            <a:off x="552440" y="2936259"/>
+            <a:ext cx="519283" cy="519283"/>
+          </a:xfrm>
+          <a:prstGeom prst="rect">
+            <a:avLst/>
+          </a:prstGeom>
+        </p:spPr>
+      </p:pic>
     </p:spTree>
     <p:extLst>
       <p:ext uri="{BB962C8B-B14F-4D97-AF65-F5344CB8AC3E}">
